--- a/Later/Super/Super_2/Java Invoke Superclass default Constructor.pptx
+++ b/Later/Super/Super_2/Java Invoke Superclass default Constructor.pptx
@@ -3895,7 +3895,6 @@
               <a:rPr lang="en-US" sz="1200" dirty="0"/>
               <a:t>constructor</a:t>
             </a:r>
-            <a:endParaRPr lang="en-US" sz="1200" dirty="0"/>
           </a:p>
         </p:txBody>
       </p:sp>
@@ -3943,65 +3942,6 @@
                 <a:schemeClr val="tx1"/>
               </a:solidFill>
             </a:endParaRPr>
-          </a:p>
-        </p:txBody>
-      </p:sp>
-      <p:sp>
-        <p:nvSpPr>
-          <p:cNvPr id="23" name="Rectangular Callout 22"/>
-          <p:cNvSpPr/>
-          <p:nvPr/>
-        </p:nvSpPr>
-        <p:spPr>
-          <a:xfrm>
-            <a:off x="6324600" y="1138236"/>
-            <a:ext cx="2590800" cy="542923"/>
-          </a:xfrm>
-          <a:prstGeom prst="wedgeRectCallout">
-            <a:avLst>
-              <a:gd name="adj1" fmla="val 15104"/>
-              <a:gd name="adj2" fmla="val 365918"/>
-            </a:avLst>
-          </a:prstGeom>
-        </p:spPr>
-        <p:style>
-          <a:lnRef idx="1">
-            <a:schemeClr val="accent3"/>
-          </a:lnRef>
-          <a:fillRef idx="2">
-            <a:schemeClr val="accent3"/>
-          </a:fillRef>
-          <a:effectRef idx="1">
-            <a:schemeClr val="accent3"/>
-          </a:effectRef>
-          <a:fontRef idx="minor">
-            <a:schemeClr val="dk1"/>
-          </a:fontRef>
-        </p:style>
-        <p:txBody>
-          <a:bodyPr rtlCol="0" anchor="ctr"/>
-          <a:lstStyle/>
-          <a:p>
-            <a:r>
-              <a:rPr lang="en-US" sz="1000" dirty="0" smtClean="0"/>
-              <a:t>We </a:t>
-            </a:r>
-            <a:r>
-              <a:rPr lang="en-US" sz="1000" dirty="0"/>
-              <a:t>can also use </a:t>
-            </a:r>
-            <a:r>
-              <a:rPr lang="en-US" sz="1000" dirty="0">
-                <a:solidFill>
-                  <a:srgbClr val="FF0000"/>
-                </a:solidFill>
-              </a:rPr>
-              <a:t>super</a:t>
-            </a:r>
-            <a:r>
-              <a:rPr lang="en-US" sz="1000" dirty="0"/>
-              <a:t> to refer to a hidden field (although hiding fields is discouraged). </a:t>
-            </a:r>
           </a:p>
         </p:txBody>
       </p:sp>
